--- a/FinalProject/Presentation1.pptx
+++ b/FinalProject/Presentation1.pptx
@@ -11,6 +11,8 @@
     <p:sldId id="259" r:id="rId5"/>
     <p:sldId id="260" r:id="rId6"/>
     <p:sldId id="261" r:id="rId7"/>
+    <p:sldId id="262" r:id="rId8"/>
+    <p:sldId id="263" r:id="rId9"/>
   </p:sldIdLst>
   <p:sldSz cx="12192000" cy="6858000"/>
   <p:notesSz cx="6858000" cy="9144000"/>
@@ -3270,16 +3272,58 @@
                 <a:latin typeface="+mj-lt"/>
                 <a:cs typeface="Arial" panose="020B0604020202020204" pitchFamily="34" charset="0"/>
               </a:rPr>
-              <a:t>”Heart Attack Analysis &amp; Prediction Dataset” from Kaggle, which contains 303 records and 14 clinical features. The target variable is binary, indicating whether a patient is at risk of a heart attack;</a:t>
-            </a:r>
-          </a:p>
-          <a:p>
+              <a:t>”Heart Attack Analysis &amp; Prediction Dataset” from Kaggle, which contains 303 records and 14 clinical features. The target variable is binary, indicating whether a patient is at </a:t>
+            </a:r>
+            <a:r>
+              <a:rPr lang="en-US" sz="2400" u="sng" dirty="0">
+                <a:latin typeface="+mj-lt"/>
+                <a:cs typeface="Arial" panose="020B0604020202020204" pitchFamily="34" charset="0"/>
+              </a:rPr>
+              <a:t>risk of a heart attack</a:t>
+            </a:r>
             <a:r>
               <a:rPr lang="en-US" sz="2400" dirty="0">
                 <a:latin typeface="+mj-lt"/>
                 <a:cs typeface="Arial" panose="020B0604020202020204" pitchFamily="34" charset="0"/>
               </a:rPr>
-              <a:t>This project aims to compare different types of machine learning models, focusing on both performance and interpretability. </a:t>
+              <a:t>;</a:t>
+            </a:r>
+          </a:p>
+          <a:p>
+            <a:r>
+              <a:rPr lang="en-US" sz="2400" dirty="0">
+                <a:latin typeface="+mj-lt"/>
+                <a:cs typeface="Arial" panose="020B0604020202020204" pitchFamily="34" charset="0"/>
+              </a:rPr>
+              <a:t>This project aims to compare different types of machine learning models, focusing on both </a:t>
+            </a:r>
+            <a:r>
+              <a:rPr lang="en-US" sz="2400" u="sng" dirty="0">
+                <a:latin typeface="+mj-lt"/>
+                <a:cs typeface="Arial" panose="020B0604020202020204" pitchFamily="34" charset="0"/>
+              </a:rPr>
+              <a:t>performance</a:t>
+            </a:r>
+            <a:r>
+              <a:rPr lang="en-US" sz="2400" dirty="0">
+                <a:latin typeface="+mj-lt"/>
+                <a:cs typeface="Arial" panose="020B0604020202020204" pitchFamily="34" charset="0"/>
+              </a:rPr>
+              <a:t> and </a:t>
+            </a:r>
+            <a:r>
+              <a:rPr lang="en-US" sz="2400" u="sng" dirty="0">
+                <a:latin typeface="+mj-lt"/>
+                <a:cs typeface="Arial" panose="020B0604020202020204" pitchFamily="34" charset="0"/>
+              </a:rPr>
+              <a:t>interpretability</a:t>
+            </a:r>
+            <a:r>
+              <a:rPr lang="en-US" sz="2400" dirty="0">
+                <a:latin typeface="+mj-lt"/>
+                <a:cs typeface="Arial" panose="020B0604020202020204" pitchFamily="34" charset="0"/>
+              </a:rPr>
+              <a:t>. </a:t>
             </a:r>
           </a:p>
           <a:p>
@@ -3311,7 +3355,7 @@
         </p:blipFill>
         <p:spPr>
           <a:xfrm>
-            <a:off x="5041258" y="4201843"/>
+            <a:off x="5041258" y="4303443"/>
             <a:ext cx="2109484" cy="2109484"/>
           </a:xfrm>
           <a:prstGeom prst="rect">
@@ -4517,7 +4561,7 @@
         </p:nvSpPr>
         <p:spPr>
           <a:xfrm>
-            <a:off x="298297" y="1844133"/>
+            <a:off x="387197" y="2009233"/>
             <a:ext cx="7440973" cy="3373317"/>
           </a:xfrm>
         </p:spPr>
@@ -4540,6 +4584,14 @@
                 <a:latin typeface="+mj-lt"/>
               </a:rPr>
               <a:t>Pearson correlation matrix used to identify correlated pairs of features;</a:t>
+            </a:r>
+          </a:p>
+          <a:p>
+            <a:r>
+              <a:rPr lang="en-US" sz="2400" dirty="0">
+                <a:latin typeface="+mj-lt"/>
+              </a:rPr>
+              <a:t>The target variable wasn’t extremely unbalanced</a:t>
             </a:r>
           </a:p>
           <a:p>
@@ -4590,8 +4642,38 @@
         </p:blipFill>
         <p:spPr>
           <a:xfrm>
-            <a:off x="7815615" y="1640550"/>
-            <a:ext cx="4078088" cy="3576900"/>
+            <a:off x="7899400" y="3117575"/>
+            <a:ext cx="3905403" cy="3425438"/>
+          </a:xfrm>
+          <a:prstGeom prst="rect">
+            <a:avLst/>
+          </a:prstGeom>
+        </p:spPr>
+      </p:pic>
+      <p:pic>
+        <p:nvPicPr>
+          <p:cNvPr id="7" name="Picture 6">
+            <a:extLst>
+              <a:ext uri="{FF2B5EF4-FFF2-40B4-BE49-F238E27FC236}">
+                <a16:creationId xmlns:a16="http://schemas.microsoft.com/office/drawing/2014/main" id="{CE06F3A8-7ABE-53BC-24A2-415E17255815}"/>
+              </a:ext>
+            </a:extLst>
+          </p:cNvPr>
+          <p:cNvPicPr>
+            <a:picLocks noChangeAspect="1"/>
+          </p:cNvPicPr>
+          <p:nvPr/>
+        </p:nvPicPr>
+        <p:blipFill>
+          <a:blip r:embed="rId3"/>
+          <a:stretch>
+            <a:fillRect/>
+          </a:stretch>
+        </p:blipFill>
+        <p:spPr>
+          <a:xfrm>
+            <a:off x="8515670" y="510250"/>
+            <a:ext cx="3130062" cy="2260600"/>
           </a:xfrm>
           <a:prstGeom prst="rect">
             <a:avLst/>
@@ -4602,6 +4684,364 @@
     <p:extLst>
       <p:ext uri="{BB962C8B-B14F-4D97-AF65-F5344CB8AC3E}">
         <p14:creationId xmlns:p14="http://schemas.microsoft.com/office/powerpoint/2010/main" val="1051089374"/>
+      </p:ext>
+    </p:extLst>
+  </p:cSld>
+  <p:clrMapOvr>
+    <a:masterClrMapping/>
+  </p:clrMapOvr>
+</p:sld>
+</file>
+
+<file path=ppt/slides/slide7.xml><?xml version="1.0" encoding="utf-8"?>
+<p:sld xmlns:a="http://schemas.openxmlformats.org/drawingml/2006/main" xmlns:r="http://schemas.openxmlformats.org/officeDocument/2006/relationships" xmlns:p="http://schemas.openxmlformats.org/presentationml/2006/main">
+  <p:cSld>
+    <p:spTree>
+      <p:nvGrpSpPr>
+        <p:cNvPr id="1" name="">
+          <a:extLst>
+            <a:ext uri="{FF2B5EF4-FFF2-40B4-BE49-F238E27FC236}">
+              <a16:creationId xmlns:a16="http://schemas.microsoft.com/office/drawing/2014/main" id="{541E80E9-B87C-257E-A460-BACBF1ED5472}"/>
+            </a:ext>
+          </a:extLst>
+        </p:cNvPr>
+        <p:cNvGrpSpPr/>
+        <p:nvPr/>
+      </p:nvGrpSpPr>
+      <p:grpSpPr>
+        <a:xfrm>
+          <a:off x="0" y="0"/>
+          <a:ext cx="0" cy="0"/>
+          <a:chOff x="0" y="0"/>
+          <a:chExt cx="0" cy="0"/>
+        </a:xfrm>
+      </p:grpSpPr>
+      <p:sp>
+        <p:nvSpPr>
+          <p:cNvPr id="2" name="Title 1">
+            <a:extLst>
+              <a:ext uri="{FF2B5EF4-FFF2-40B4-BE49-F238E27FC236}">
+                <a16:creationId xmlns:a16="http://schemas.microsoft.com/office/drawing/2014/main" id="{9BF33D94-BF8C-6A41-47E7-BA813D27CA76}"/>
+              </a:ext>
+            </a:extLst>
+          </p:cNvPr>
+          <p:cNvSpPr>
+            <a:spLocks noGrp="1"/>
+          </p:cNvSpPr>
+          <p:nvPr>
+            <p:ph type="title"/>
+          </p:nvPr>
+        </p:nvSpPr>
+        <p:spPr>
+          <a:xfrm>
+            <a:off x="298297" y="314987"/>
+            <a:ext cx="10515600" cy="1325563"/>
+          </a:xfrm>
+        </p:spPr>
+        <p:txBody>
+          <a:bodyPr/>
+          <a:lstStyle/>
+          <a:p>
+            <a:r>
+              <a:rPr lang="en-US" dirty="0"/>
+              <a:t>Important Considerations</a:t>
+            </a:r>
+          </a:p>
+        </p:txBody>
+      </p:sp>
+      <p:sp>
+        <p:nvSpPr>
+          <p:cNvPr id="3" name="Content Placeholder 2">
+            <a:extLst>
+              <a:ext uri="{FF2B5EF4-FFF2-40B4-BE49-F238E27FC236}">
+                <a16:creationId xmlns:a16="http://schemas.microsoft.com/office/drawing/2014/main" id="{4FF4E63E-0641-29FF-BCD0-1E546CBD42B9}"/>
+              </a:ext>
+            </a:extLst>
+          </p:cNvPr>
+          <p:cNvSpPr>
+            <a:spLocks noGrp="1"/>
+          </p:cNvSpPr>
+          <p:nvPr>
+            <p:ph idx="1"/>
+          </p:nvPr>
+        </p:nvSpPr>
+        <p:spPr>
+          <a:xfrm>
+            <a:off x="298297" y="1742341"/>
+            <a:ext cx="8030157" cy="3373317"/>
+          </a:xfrm>
+        </p:spPr>
+        <p:txBody>
+          <a:bodyPr anchor="ctr">
+            <a:normAutofit/>
+          </a:bodyPr>
+          <a:lstStyle/>
+          <a:p>
+            <a:r>
+              <a:rPr lang="en-US" sz="2400" dirty="0">
+                <a:latin typeface="+mj-lt"/>
+              </a:rPr>
+              <a:t>Since we are trying to predict a health condition, our </a:t>
+            </a:r>
+            <a:r>
+              <a:rPr lang="en-US" sz="2400" u="sng" dirty="0">
+                <a:latin typeface="+mj-lt"/>
+              </a:rPr>
+              <a:t>recall</a:t>
+            </a:r>
+            <a:r>
+              <a:rPr lang="en-US" sz="2400" dirty="0">
+                <a:latin typeface="+mj-lt"/>
+              </a:rPr>
+              <a:t> should be as high as possible;</a:t>
+            </a:r>
+          </a:p>
+          <a:p>
+            <a:r>
+              <a:rPr lang="en-US" sz="2400" dirty="0">
+                <a:latin typeface="+mj-lt"/>
+              </a:rPr>
+              <a:t>The number of false positives may increase, but this is often considered an acceptable trade-off given the stakes and the </a:t>
+            </a:r>
+            <a:r>
+              <a:rPr lang="en-US" sz="2400" u="sng" dirty="0">
+                <a:latin typeface="+mj-lt"/>
+              </a:rPr>
+              <a:t>context</a:t>
+            </a:r>
+            <a:r>
+              <a:rPr lang="en-US" sz="2400" dirty="0">
+                <a:latin typeface="+mj-lt"/>
+              </a:rPr>
+              <a:t> of the problem. </a:t>
+            </a:r>
+          </a:p>
+          <a:p>
+            <a:r>
+              <a:rPr lang="en-US" sz="2400" dirty="0">
+                <a:latin typeface="+mj-lt"/>
+              </a:rPr>
+              <a:t>Since our team is not specialized in medicine in any way, it is important not to trust these kinds of models blindly. In a real-world scenario, the supervision/input of a medical team would be crucial.</a:t>
+            </a:r>
+          </a:p>
+          <a:p>
+            <a:endParaRPr lang="en-US" dirty="0"/>
+          </a:p>
+        </p:txBody>
+      </p:sp>
+      <p:pic>
+        <p:nvPicPr>
+          <p:cNvPr id="4" name="Picture 3" descr="A diagram of the human heart&#10;&#10;Description automatically generated">
+            <a:extLst>
+              <a:ext uri="{FF2B5EF4-FFF2-40B4-BE49-F238E27FC236}">
+                <a16:creationId xmlns:a16="http://schemas.microsoft.com/office/drawing/2014/main" id="{9A4092D1-169C-D04E-4C4B-45E42122EA50}"/>
+              </a:ext>
+            </a:extLst>
+          </p:cNvPr>
+          <p:cNvPicPr>
+            <a:picLocks noChangeAspect="1"/>
+          </p:cNvPicPr>
+          <p:nvPr/>
+        </p:nvPicPr>
+        <p:blipFill>
+          <a:blip r:embed="rId2"/>
+          <a:stretch>
+            <a:fillRect/>
+          </a:stretch>
+        </p:blipFill>
+        <p:spPr>
+          <a:xfrm>
+            <a:off x="8452022" y="2166213"/>
+            <a:ext cx="2949445" cy="2949445"/>
+          </a:xfrm>
+          <a:prstGeom prst="rect">
+            <a:avLst/>
+          </a:prstGeom>
+        </p:spPr>
+      </p:pic>
+    </p:spTree>
+    <p:extLst>
+      <p:ext uri="{BB962C8B-B14F-4D97-AF65-F5344CB8AC3E}">
+        <p14:creationId xmlns:p14="http://schemas.microsoft.com/office/powerpoint/2010/main" val="2332322713"/>
+      </p:ext>
+    </p:extLst>
+  </p:cSld>
+  <p:clrMapOvr>
+    <a:masterClrMapping/>
+  </p:clrMapOvr>
+</p:sld>
+</file>
+
+<file path=ppt/slides/slide8.xml><?xml version="1.0" encoding="utf-8"?>
+<p:sld xmlns:a="http://schemas.openxmlformats.org/drawingml/2006/main" xmlns:r="http://schemas.openxmlformats.org/officeDocument/2006/relationships" xmlns:p="http://schemas.openxmlformats.org/presentationml/2006/main">
+  <p:cSld>
+    <p:spTree>
+      <p:nvGrpSpPr>
+        <p:cNvPr id="1" name="">
+          <a:extLst>
+            <a:ext uri="{FF2B5EF4-FFF2-40B4-BE49-F238E27FC236}">
+              <a16:creationId xmlns:a16="http://schemas.microsoft.com/office/drawing/2014/main" id="{D3F40F39-A9C7-71C2-FD80-23441CD3215F}"/>
+            </a:ext>
+          </a:extLst>
+        </p:cNvPr>
+        <p:cNvGrpSpPr/>
+        <p:nvPr/>
+      </p:nvGrpSpPr>
+      <p:grpSpPr>
+        <a:xfrm>
+          <a:off x="0" y="0"/>
+          <a:ext cx="0" cy="0"/>
+          <a:chOff x="0" y="0"/>
+          <a:chExt cx="0" cy="0"/>
+        </a:xfrm>
+      </p:grpSpPr>
+      <p:sp>
+        <p:nvSpPr>
+          <p:cNvPr id="2" name="Title 1">
+            <a:extLst>
+              <a:ext uri="{FF2B5EF4-FFF2-40B4-BE49-F238E27FC236}">
+                <a16:creationId xmlns:a16="http://schemas.microsoft.com/office/drawing/2014/main" id="{FC7C2EDA-BD64-A5ED-59DA-27F43C59E398}"/>
+              </a:ext>
+            </a:extLst>
+          </p:cNvPr>
+          <p:cNvSpPr>
+            <a:spLocks noGrp="1"/>
+          </p:cNvSpPr>
+          <p:nvPr>
+            <p:ph type="title"/>
+          </p:nvPr>
+        </p:nvSpPr>
+        <p:spPr>
+          <a:xfrm>
+            <a:off x="298297" y="314987"/>
+            <a:ext cx="10515600" cy="1325563"/>
+          </a:xfrm>
+        </p:spPr>
+        <p:txBody>
+          <a:bodyPr/>
+          <a:lstStyle/>
+          <a:p>
+            <a:r>
+              <a:rPr lang="en-US" dirty="0"/>
+              <a:t>Fuzzy Inference System</a:t>
+            </a:r>
+          </a:p>
+        </p:txBody>
+      </p:sp>
+      <p:sp>
+        <p:nvSpPr>
+          <p:cNvPr id="3" name="Content Placeholder 2">
+            <a:extLst>
+              <a:ext uri="{FF2B5EF4-FFF2-40B4-BE49-F238E27FC236}">
+                <a16:creationId xmlns:a16="http://schemas.microsoft.com/office/drawing/2014/main" id="{E0BFA626-EB6A-DBCB-A59E-BB2FB97F7FA1}"/>
+              </a:ext>
+            </a:extLst>
+          </p:cNvPr>
+          <p:cNvSpPr>
+            <a:spLocks noGrp="1"/>
+          </p:cNvSpPr>
+          <p:nvPr>
+            <p:ph idx="1"/>
+          </p:nvPr>
+        </p:nvSpPr>
+        <p:spPr>
+          <a:xfrm>
+            <a:off x="298297" y="1742341"/>
+            <a:ext cx="8030157" cy="3373317"/>
+          </a:xfrm>
+        </p:spPr>
+        <p:txBody>
+          <a:bodyPr anchor="ctr">
+            <a:normAutofit/>
+          </a:bodyPr>
+          <a:lstStyle/>
+          <a:p>
+            <a:r>
+              <a:rPr lang="en-US" sz="2400" dirty="0">
+                <a:latin typeface="+mj-lt"/>
+              </a:rPr>
+              <a:t>Since we are trying to predict a health condition, our </a:t>
+            </a:r>
+            <a:r>
+              <a:rPr lang="en-US" sz="2400" u="sng" dirty="0">
+                <a:latin typeface="+mj-lt"/>
+              </a:rPr>
+              <a:t>recall</a:t>
+            </a:r>
+            <a:r>
+              <a:rPr lang="en-US" sz="2400" dirty="0">
+                <a:latin typeface="+mj-lt"/>
+              </a:rPr>
+              <a:t> should be as high as possible;</a:t>
+            </a:r>
+          </a:p>
+          <a:p>
+            <a:r>
+              <a:rPr lang="en-US" sz="2400" dirty="0">
+                <a:latin typeface="+mj-lt"/>
+              </a:rPr>
+              <a:t>The number of false positives may increase, but this is often considered an acceptable trade-off given the stakes and the </a:t>
+            </a:r>
+            <a:r>
+              <a:rPr lang="en-US" sz="2400" u="sng" dirty="0">
+                <a:latin typeface="+mj-lt"/>
+              </a:rPr>
+              <a:t>context</a:t>
+            </a:r>
+            <a:r>
+              <a:rPr lang="en-US" sz="2400" dirty="0">
+                <a:latin typeface="+mj-lt"/>
+              </a:rPr>
+              <a:t> of the problem. </a:t>
+            </a:r>
+          </a:p>
+          <a:p>
+            <a:r>
+              <a:rPr lang="en-US" sz="2400" dirty="0">
+                <a:latin typeface="+mj-lt"/>
+              </a:rPr>
+              <a:t>Since our team is not specialized in medicine in any way, it is important not to trust these kinds of models blindly. In a real-world scenario, the supervision/input of a medical team would be crucial.</a:t>
+            </a:r>
+          </a:p>
+          <a:p>
+            <a:endParaRPr lang="en-US" dirty="0"/>
+          </a:p>
+        </p:txBody>
+      </p:sp>
+      <p:pic>
+        <p:nvPicPr>
+          <p:cNvPr id="4" name="Picture 3" descr="A diagram of the human heart&#10;&#10;Description automatically generated">
+            <a:extLst>
+              <a:ext uri="{FF2B5EF4-FFF2-40B4-BE49-F238E27FC236}">
+                <a16:creationId xmlns:a16="http://schemas.microsoft.com/office/drawing/2014/main" id="{D6934B8D-5C08-08A6-BE87-36C07E275546}"/>
+              </a:ext>
+            </a:extLst>
+          </p:cNvPr>
+          <p:cNvPicPr>
+            <a:picLocks noChangeAspect="1"/>
+          </p:cNvPicPr>
+          <p:nvPr/>
+        </p:nvPicPr>
+        <p:blipFill>
+          <a:blip r:embed="rId2"/>
+          <a:stretch>
+            <a:fillRect/>
+          </a:stretch>
+        </p:blipFill>
+        <p:spPr>
+          <a:xfrm>
+            <a:off x="8452022" y="2166213"/>
+            <a:ext cx="2949445" cy="2949445"/>
+          </a:xfrm>
+          <a:prstGeom prst="rect">
+            <a:avLst/>
+          </a:prstGeom>
+        </p:spPr>
+      </p:pic>
+    </p:spTree>
+    <p:extLst>
+      <p:ext uri="{BB962C8B-B14F-4D97-AF65-F5344CB8AC3E}">
+        <p14:creationId xmlns:p14="http://schemas.microsoft.com/office/powerpoint/2010/main" val="35691107"/>
       </p:ext>
     </p:extLst>
   </p:cSld>

--- a/FinalProject/Presentation1.pptx
+++ b/FinalProject/Presentation1.pptx
@@ -119,6 +119,43 @@
 </p:presentation>
 </file>
 
+<file path=ppt/revisionInfo.xml><?xml version="1.0" encoding="utf-8"?>
+<p1510:revInfo xmlns:a="http://schemas.openxmlformats.org/drawingml/2006/main" xmlns:r="http://schemas.openxmlformats.org/officeDocument/2006/relationships" xmlns:p1510="http://schemas.microsoft.com/office/powerpoint/2015/10/main">
+  <p1510:revLst>
+    <p1510:client id="{0E2DA405-3716-44D1-B890-6E77E1BD3E22}" v="1" dt="2024-10-30T17:57:23.762"/>
+  </p1510:revLst>
+</p1510:revInfo>
+</file>
+
+<file path=ppt/changesInfos/changesInfo1.xml><?xml version="1.0" encoding="utf-8"?>
+<pc:chgInfo xmlns:a="http://schemas.openxmlformats.org/drawingml/2006/main" xmlns:r="http://schemas.openxmlformats.org/officeDocument/2006/relationships" xmlns:ac="http://schemas.microsoft.com/office/drawing/2013/main/command" xmlns:pc="http://schemas.microsoft.com/office/powerpoint/2013/main/command">
+  <pc:docChgLst>
+    <pc:chgData name="Francisco José Vieira Pinto" userId="ec213725-5f2e-477e-a94d-48722f147602" providerId="ADAL" clId="{0E2DA405-3716-44D1-B890-6E77E1BD3E22}"/>
+    <pc:docChg chg="modSld">
+      <pc:chgData name="Francisco José Vieira Pinto" userId="ec213725-5f2e-477e-a94d-48722f147602" providerId="ADAL" clId="{0E2DA405-3716-44D1-B890-6E77E1BD3E22}" dt="2024-10-30T17:57:30.828" v="3" actId="6549"/>
+      <pc:docMkLst>
+        <pc:docMk/>
+      </pc:docMkLst>
+      <pc:sldChg chg="modSp mod">
+        <pc:chgData name="Francisco José Vieira Pinto" userId="ec213725-5f2e-477e-a94d-48722f147602" providerId="ADAL" clId="{0E2DA405-3716-44D1-B890-6E77E1BD3E22}" dt="2024-10-30T17:57:30.828" v="3" actId="6549"/>
+        <pc:sldMkLst>
+          <pc:docMk/>
+          <pc:sldMk cId="1051089374" sldId="261"/>
+        </pc:sldMkLst>
+        <pc:spChg chg="mod">
+          <ac:chgData name="Francisco José Vieira Pinto" userId="ec213725-5f2e-477e-a94d-48722f147602" providerId="ADAL" clId="{0E2DA405-3716-44D1-B890-6E77E1BD3E22}" dt="2024-10-30T17:57:30.828" v="3" actId="6549"/>
+          <ac:spMkLst>
+            <pc:docMk/>
+            <pc:sldMk cId="1051089374" sldId="261"/>
+            <ac:spMk id="3" creationId="{2551A45B-1E03-8AD7-A6CE-DAF92F69A4AB}"/>
+          </ac:spMkLst>
+        </pc:spChg>
+      </pc:sldChg>
+    </pc:docChg>
+  </pc:docChgLst>
+</pc:chgInfo>
+</file>
+
 <file path=ppt/slideLayouts/slideLayout1.xml><?xml version="1.0" encoding="utf-8"?>
 <p:sldLayout xmlns:a="http://schemas.openxmlformats.org/drawingml/2006/main" xmlns:r="http://schemas.openxmlformats.org/officeDocument/2006/relationships" xmlns:p="http://schemas.openxmlformats.org/presentationml/2006/main" type="title" preserve="1">
   <p:cSld name="Title Slide">
@@ -250,7 +287,7 @@
           <a:p>
             <a:fld id="{DE83954D-D34C-7242-9A06-65F5CE0719B4}" type="datetimeFigureOut">
               <a:rPr lang="en-US" smtClean="0"/>
-              <a:t>10/30/24</a:t>
+              <a:t>10/30/2024</a:t>
             </a:fld>
             <a:endParaRPr lang="en-US"/>
           </a:p>
@@ -292,7 +329,7 @@
           <a:p>
             <a:fld id="{210D9C2B-A29D-2D4C-8970-A3B39F3D98C9}" type="slidenum">
               <a:rPr lang="en-US" smtClean="0"/>
-              <a:t>‹#›</a:t>
+              <a:t>‹nº›</a:t>
             </a:fld>
             <a:endParaRPr lang="en-US"/>
           </a:p>
@@ -420,7 +457,7 @@
           <a:p>
             <a:fld id="{DE83954D-D34C-7242-9A06-65F5CE0719B4}" type="datetimeFigureOut">
               <a:rPr lang="en-US" smtClean="0"/>
-              <a:t>10/30/24</a:t>
+              <a:t>10/30/2024</a:t>
             </a:fld>
             <a:endParaRPr lang="en-US"/>
           </a:p>
@@ -462,7 +499,7 @@
           <a:p>
             <a:fld id="{210D9C2B-A29D-2D4C-8970-A3B39F3D98C9}" type="slidenum">
               <a:rPr lang="en-US" smtClean="0"/>
-              <a:t>‹#›</a:t>
+              <a:t>‹nº›</a:t>
             </a:fld>
             <a:endParaRPr lang="en-US"/>
           </a:p>
@@ -600,7 +637,7 @@
           <a:p>
             <a:fld id="{DE83954D-D34C-7242-9A06-65F5CE0719B4}" type="datetimeFigureOut">
               <a:rPr lang="en-US" smtClean="0"/>
-              <a:t>10/30/24</a:t>
+              <a:t>10/30/2024</a:t>
             </a:fld>
             <a:endParaRPr lang="en-US"/>
           </a:p>
@@ -642,7 +679,7 @@
           <a:p>
             <a:fld id="{210D9C2B-A29D-2D4C-8970-A3B39F3D98C9}" type="slidenum">
               <a:rPr lang="en-US" smtClean="0"/>
-              <a:t>‹#›</a:t>
+              <a:t>‹nº›</a:t>
             </a:fld>
             <a:endParaRPr lang="en-US"/>
           </a:p>
@@ -770,7 +807,7 @@
           <a:p>
             <a:fld id="{DE83954D-D34C-7242-9A06-65F5CE0719B4}" type="datetimeFigureOut">
               <a:rPr lang="en-US" smtClean="0"/>
-              <a:t>10/30/24</a:t>
+              <a:t>10/30/2024</a:t>
             </a:fld>
             <a:endParaRPr lang="en-US"/>
           </a:p>
@@ -812,7 +849,7 @@
           <a:p>
             <a:fld id="{210D9C2B-A29D-2D4C-8970-A3B39F3D98C9}" type="slidenum">
               <a:rPr lang="en-US" smtClean="0"/>
-              <a:t>‹#›</a:t>
+              <a:t>‹nº›</a:t>
             </a:fld>
             <a:endParaRPr lang="en-US"/>
           </a:p>
@@ -1016,7 +1053,7 @@
           <a:p>
             <a:fld id="{DE83954D-D34C-7242-9A06-65F5CE0719B4}" type="datetimeFigureOut">
               <a:rPr lang="en-US" smtClean="0"/>
-              <a:t>10/30/24</a:t>
+              <a:t>10/30/2024</a:t>
             </a:fld>
             <a:endParaRPr lang="en-US"/>
           </a:p>
@@ -1058,7 +1095,7 @@
           <a:p>
             <a:fld id="{210D9C2B-A29D-2D4C-8970-A3B39F3D98C9}" type="slidenum">
               <a:rPr lang="en-US" smtClean="0"/>
-              <a:t>‹#›</a:t>
+              <a:t>‹nº›</a:t>
             </a:fld>
             <a:endParaRPr lang="en-US"/>
           </a:p>
@@ -1248,7 +1285,7 @@
           <a:p>
             <a:fld id="{DE83954D-D34C-7242-9A06-65F5CE0719B4}" type="datetimeFigureOut">
               <a:rPr lang="en-US" smtClean="0"/>
-              <a:t>10/30/24</a:t>
+              <a:t>10/30/2024</a:t>
             </a:fld>
             <a:endParaRPr lang="en-US"/>
           </a:p>
@@ -1290,7 +1327,7 @@
           <a:p>
             <a:fld id="{210D9C2B-A29D-2D4C-8970-A3B39F3D98C9}" type="slidenum">
               <a:rPr lang="en-US" smtClean="0"/>
-              <a:t>‹#›</a:t>
+              <a:t>‹nº›</a:t>
             </a:fld>
             <a:endParaRPr lang="en-US"/>
           </a:p>
@@ -1615,7 +1652,7 @@
           <a:p>
             <a:fld id="{DE83954D-D34C-7242-9A06-65F5CE0719B4}" type="datetimeFigureOut">
               <a:rPr lang="en-US" smtClean="0"/>
-              <a:t>10/30/24</a:t>
+              <a:t>10/30/2024</a:t>
             </a:fld>
             <a:endParaRPr lang="en-US"/>
           </a:p>
@@ -1657,7 +1694,7 @@
           <a:p>
             <a:fld id="{210D9C2B-A29D-2D4C-8970-A3B39F3D98C9}" type="slidenum">
               <a:rPr lang="en-US" smtClean="0"/>
-              <a:t>‹#›</a:t>
+              <a:t>‹nº›</a:t>
             </a:fld>
             <a:endParaRPr lang="en-US"/>
           </a:p>
@@ -1733,7 +1770,7 @@
           <a:p>
             <a:fld id="{DE83954D-D34C-7242-9A06-65F5CE0719B4}" type="datetimeFigureOut">
               <a:rPr lang="en-US" smtClean="0"/>
-              <a:t>10/30/24</a:t>
+              <a:t>10/30/2024</a:t>
             </a:fld>
             <a:endParaRPr lang="en-US"/>
           </a:p>
@@ -1775,7 +1812,7 @@
           <a:p>
             <a:fld id="{210D9C2B-A29D-2D4C-8970-A3B39F3D98C9}" type="slidenum">
               <a:rPr lang="en-US" smtClean="0"/>
-              <a:t>‹#›</a:t>
+              <a:t>‹nº›</a:t>
             </a:fld>
             <a:endParaRPr lang="en-US"/>
           </a:p>
@@ -1828,7 +1865,7 @@
           <a:p>
             <a:fld id="{DE83954D-D34C-7242-9A06-65F5CE0719B4}" type="datetimeFigureOut">
               <a:rPr lang="en-US" smtClean="0"/>
-              <a:t>10/30/24</a:t>
+              <a:t>10/30/2024</a:t>
             </a:fld>
             <a:endParaRPr lang="en-US"/>
           </a:p>
@@ -1870,7 +1907,7 @@
           <a:p>
             <a:fld id="{210D9C2B-A29D-2D4C-8970-A3B39F3D98C9}" type="slidenum">
               <a:rPr lang="en-US" smtClean="0"/>
-              <a:t>‹#›</a:t>
+              <a:t>‹nº›</a:t>
             </a:fld>
             <a:endParaRPr lang="en-US"/>
           </a:p>
@@ -2105,7 +2142,7 @@
           <a:p>
             <a:fld id="{DE83954D-D34C-7242-9A06-65F5CE0719B4}" type="datetimeFigureOut">
               <a:rPr lang="en-US" smtClean="0"/>
-              <a:t>10/30/24</a:t>
+              <a:t>10/30/2024</a:t>
             </a:fld>
             <a:endParaRPr lang="en-US"/>
           </a:p>
@@ -2147,7 +2184,7 @@
           <a:p>
             <a:fld id="{210D9C2B-A29D-2D4C-8970-A3B39F3D98C9}" type="slidenum">
               <a:rPr lang="en-US" smtClean="0"/>
-              <a:t>‹#›</a:t>
+              <a:t>‹nº›</a:t>
             </a:fld>
             <a:endParaRPr lang="en-US"/>
           </a:p>
@@ -2362,7 +2399,7 @@
           <a:p>
             <a:fld id="{DE83954D-D34C-7242-9A06-65F5CE0719B4}" type="datetimeFigureOut">
               <a:rPr lang="en-US" smtClean="0"/>
-              <a:t>10/30/24</a:t>
+              <a:t>10/30/2024</a:t>
             </a:fld>
             <a:endParaRPr lang="en-US"/>
           </a:p>
@@ -2404,7 +2441,7 @@
           <a:p>
             <a:fld id="{210D9C2B-A29D-2D4C-8970-A3B39F3D98C9}" type="slidenum">
               <a:rPr lang="en-US" smtClean="0"/>
-              <a:t>‹#›</a:t>
+              <a:t>‹nº›</a:t>
             </a:fld>
             <a:endParaRPr lang="en-US"/>
           </a:p>
@@ -2575,7 +2612,7 @@
           <a:p>
             <a:fld id="{DE83954D-D34C-7242-9A06-65F5CE0719B4}" type="datetimeFigureOut">
               <a:rPr lang="en-US" smtClean="0"/>
-              <a:t>10/30/24</a:t>
+              <a:t>10/30/2024</a:t>
             </a:fld>
             <a:endParaRPr lang="en-US"/>
           </a:p>
@@ -2653,7 +2690,7 @@
           <a:p>
             <a:fld id="{210D9C2B-A29D-2D4C-8970-A3B39F3D98C9}" type="slidenum">
               <a:rPr lang="en-US" smtClean="0"/>
-              <a:t>‹#›</a:t>
+              <a:t>‹nº›</a:t>
             </a:fld>
             <a:endParaRPr lang="en-US"/>
           </a:p>
@@ -4607,15 +4644,14 @@
               <a:rPr lang="en-US" sz="2400" dirty="0">
                 <a:latin typeface="+mj-lt"/>
               </a:rPr>
-              <a:t>Standard Scaler used to scale the data and adjust its distribution.</a:t>
-            </a:r>
-          </a:p>
-          <a:p>
-            <a:endParaRPr lang="en-US" dirty="0">
-              <a:latin typeface="+mj-lt"/>
-            </a:endParaRPr>
-          </a:p>
-          <a:p>
+              <a:t>Standard Scaler used to scale the data and adjust its </a:t>
+            </a:r>
+            <a:r>
+              <a:rPr lang="en-US" sz="2400">
+                <a:latin typeface="+mj-lt"/>
+              </a:rPr>
+              <a:t>distribution.</a:t>
+            </a:r>
             <a:endParaRPr lang="en-US" dirty="0"/>
           </a:p>
         </p:txBody>
